--- a/ppt 16-9/0891.想念灵同胞.pptx
+++ b/ppt 16-9/0891.想念灵同胞.pptx
@@ -5,7 +5,7 @@
     <p:sldMasterId id="2147483648" r:id="rId1"/>
   </p:sldMasterIdLst>
   <p:sldIdLst>
-    <p:sldId id="2206" r:id="rId2"/>
+    <p:sldId id="2207" r:id="rId2"/>
   </p:sldIdLst>
   <p:sldSz cx="12192000" cy="6858000"/>
   <p:notesSz cx="6858000" cy="9144000"/>
@@ -129,7 +129,7 @@
           <p:cNvPr id="2" name="标题 1">
             <a:extLst>
               <a:ext uri="{FF2B5EF4-FFF2-40B4-BE49-F238E27FC236}">
-                <a16:creationId xmlns:a16="http://schemas.microsoft.com/office/drawing/2014/main" id="{124B49FE-AB37-AF26-76E9-FCAF8311BE3D}"/>
+                <a16:creationId xmlns:a16="http://schemas.microsoft.com/office/drawing/2014/main" id="{F55E0BE0-C98B-38AA-AD7C-3D817A33E660}"/>
               </a:ext>
             </a:extLst>
           </p:cNvPr>
@@ -166,7 +166,7 @@
           <p:cNvPr id="3" name="副标题 2">
             <a:extLst>
               <a:ext uri="{FF2B5EF4-FFF2-40B4-BE49-F238E27FC236}">
-                <a16:creationId xmlns:a16="http://schemas.microsoft.com/office/drawing/2014/main" id="{81E6CEAA-E29E-652E-056E-A1F9C3773EC4}"/>
+                <a16:creationId xmlns:a16="http://schemas.microsoft.com/office/drawing/2014/main" id="{75565709-738A-CA8E-6C90-555C1CA84B0A}"/>
               </a:ext>
             </a:extLst>
           </p:cNvPr>
@@ -236,7 +236,7 @@
           <p:cNvPr id="4" name="日期占位符 3">
             <a:extLst>
               <a:ext uri="{FF2B5EF4-FFF2-40B4-BE49-F238E27FC236}">
-                <a16:creationId xmlns:a16="http://schemas.microsoft.com/office/drawing/2014/main" id="{B84351DA-AC2C-7A49-B9C6-AB5FA7258B2D}"/>
+                <a16:creationId xmlns:a16="http://schemas.microsoft.com/office/drawing/2014/main" id="{7FF9513D-B3F1-88D6-3624-F3D24E20642B}"/>
               </a:ext>
             </a:extLst>
           </p:cNvPr>
@@ -252,7 +252,7 @@
           <a:bodyPr/>
           <a:lstStyle/>
           <a:p>
-            <a:fld id="{E09CA2D0-EF54-4280-86C2-238E46F6824B}" type="datetimeFigureOut">
+            <a:fld id="{2F9C16B9-1A53-4228-A064-4659ECCFD15A}" type="datetimeFigureOut">
               <a:rPr lang="zh-CN" altLang="en-US" smtClean="0"/>
               <a:t>2024/3/10</a:t>
             </a:fld>
@@ -265,7 +265,7 @@
           <p:cNvPr id="5" name="页脚占位符 4">
             <a:extLst>
               <a:ext uri="{FF2B5EF4-FFF2-40B4-BE49-F238E27FC236}">
-                <a16:creationId xmlns:a16="http://schemas.microsoft.com/office/drawing/2014/main" id="{1961FF6B-F511-F951-E34F-B173B80C59F8}"/>
+                <a16:creationId xmlns:a16="http://schemas.microsoft.com/office/drawing/2014/main" id="{463052CA-9D0F-EA99-5D37-A08BEC6A9703}"/>
               </a:ext>
             </a:extLst>
           </p:cNvPr>
@@ -290,7 +290,7 @@
           <p:cNvPr id="6" name="灯片编号占位符 5">
             <a:extLst>
               <a:ext uri="{FF2B5EF4-FFF2-40B4-BE49-F238E27FC236}">
-                <a16:creationId xmlns:a16="http://schemas.microsoft.com/office/drawing/2014/main" id="{E421079E-7742-91BB-8884-6BC993DB1662}"/>
+                <a16:creationId xmlns:a16="http://schemas.microsoft.com/office/drawing/2014/main" id="{FA359608-528B-3DA1-6756-1D0568DCB125}"/>
               </a:ext>
             </a:extLst>
           </p:cNvPr>
@@ -306,7 +306,7 @@
           <a:bodyPr/>
           <a:lstStyle/>
           <a:p>
-            <a:fld id="{D4B99448-4B5E-4AD3-97BC-CA82B82F0C38}" type="slidenum">
+            <a:fld id="{73900AEA-75C5-473F-8932-70E7B419E097}" type="slidenum">
               <a:rPr lang="zh-CN" altLang="en-US" smtClean="0"/>
               <a:t>‹#›</a:t>
             </a:fld>
@@ -317,7 +317,7 @@
     </p:spTree>
     <p:extLst>
       <p:ext uri="{BB962C8B-B14F-4D97-AF65-F5344CB8AC3E}">
-        <p14:creationId xmlns:p14="http://schemas.microsoft.com/office/powerpoint/2010/main" val="3998437809"/>
+        <p14:creationId xmlns:p14="http://schemas.microsoft.com/office/powerpoint/2010/main" val="1413978993"/>
       </p:ext>
     </p:extLst>
   </p:cSld>
@@ -349,7 +349,7 @@
           <p:cNvPr id="2" name="标题 1">
             <a:extLst>
               <a:ext uri="{FF2B5EF4-FFF2-40B4-BE49-F238E27FC236}">
-                <a16:creationId xmlns:a16="http://schemas.microsoft.com/office/drawing/2014/main" id="{CBE12998-8C6E-1AF5-6BA3-7A771DEAD3C2}"/>
+                <a16:creationId xmlns:a16="http://schemas.microsoft.com/office/drawing/2014/main" id="{FD60E009-31FC-3AE3-B91D-1BB3B173E9CB}"/>
               </a:ext>
             </a:extLst>
           </p:cNvPr>
@@ -377,7 +377,7 @@
           <p:cNvPr id="3" name="竖排文字占位符 2">
             <a:extLst>
               <a:ext uri="{FF2B5EF4-FFF2-40B4-BE49-F238E27FC236}">
-                <a16:creationId xmlns:a16="http://schemas.microsoft.com/office/drawing/2014/main" id="{10AC9D4B-D25A-9457-5B94-62DBB48187F6}"/>
+                <a16:creationId xmlns:a16="http://schemas.microsoft.com/office/drawing/2014/main" id="{3285627E-40EF-72DE-57F1-732D250427C7}"/>
               </a:ext>
             </a:extLst>
           </p:cNvPr>
@@ -434,7 +434,7 @@
           <p:cNvPr id="4" name="日期占位符 3">
             <a:extLst>
               <a:ext uri="{FF2B5EF4-FFF2-40B4-BE49-F238E27FC236}">
-                <a16:creationId xmlns:a16="http://schemas.microsoft.com/office/drawing/2014/main" id="{E1D908F5-54FE-FFBA-3195-9263FF630A1D}"/>
+                <a16:creationId xmlns:a16="http://schemas.microsoft.com/office/drawing/2014/main" id="{BA3DE396-A1AF-FB19-2EA8-55F3BD20E109}"/>
               </a:ext>
             </a:extLst>
           </p:cNvPr>
@@ -450,7 +450,7 @@
           <a:bodyPr/>
           <a:lstStyle/>
           <a:p>
-            <a:fld id="{E09CA2D0-EF54-4280-86C2-238E46F6824B}" type="datetimeFigureOut">
+            <a:fld id="{2F9C16B9-1A53-4228-A064-4659ECCFD15A}" type="datetimeFigureOut">
               <a:rPr lang="zh-CN" altLang="en-US" smtClean="0"/>
               <a:t>2024/3/10</a:t>
             </a:fld>
@@ -463,7 +463,7 @@
           <p:cNvPr id="5" name="页脚占位符 4">
             <a:extLst>
               <a:ext uri="{FF2B5EF4-FFF2-40B4-BE49-F238E27FC236}">
-                <a16:creationId xmlns:a16="http://schemas.microsoft.com/office/drawing/2014/main" id="{F830D7DA-74A5-935A-7733-ABFCAE3C0D19}"/>
+                <a16:creationId xmlns:a16="http://schemas.microsoft.com/office/drawing/2014/main" id="{F58D5E5B-3BB1-45D4-5273-13A8F8E2BBB0}"/>
               </a:ext>
             </a:extLst>
           </p:cNvPr>
@@ -488,7 +488,7 @@
           <p:cNvPr id="6" name="灯片编号占位符 5">
             <a:extLst>
               <a:ext uri="{FF2B5EF4-FFF2-40B4-BE49-F238E27FC236}">
-                <a16:creationId xmlns:a16="http://schemas.microsoft.com/office/drawing/2014/main" id="{1774776B-B48D-5EDE-3220-72888B20B29D}"/>
+                <a16:creationId xmlns:a16="http://schemas.microsoft.com/office/drawing/2014/main" id="{43A94B2F-D3E6-AE9F-A800-FFC3493353DD}"/>
               </a:ext>
             </a:extLst>
           </p:cNvPr>
@@ -504,7 +504,7 @@
           <a:bodyPr/>
           <a:lstStyle/>
           <a:p>
-            <a:fld id="{D4B99448-4B5E-4AD3-97BC-CA82B82F0C38}" type="slidenum">
+            <a:fld id="{73900AEA-75C5-473F-8932-70E7B419E097}" type="slidenum">
               <a:rPr lang="zh-CN" altLang="en-US" smtClean="0"/>
               <a:t>‹#›</a:t>
             </a:fld>
@@ -515,7 +515,7 @@
     </p:spTree>
     <p:extLst>
       <p:ext uri="{BB962C8B-B14F-4D97-AF65-F5344CB8AC3E}">
-        <p14:creationId xmlns:p14="http://schemas.microsoft.com/office/powerpoint/2010/main" val="2232162527"/>
+        <p14:creationId xmlns:p14="http://schemas.microsoft.com/office/powerpoint/2010/main" val="1562223197"/>
       </p:ext>
     </p:extLst>
   </p:cSld>
@@ -547,7 +547,7 @@
           <p:cNvPr id="2" name="竖排标题 1">
             <a:extLst>
               <a:ext uri="{FF2B5EF4-FFF2-40B4-BE49-F238E27FC236}">
-                <a16:creationId xmlns:a16="http://schemas.microsoft.com/office/drawing/2014/main" id="{98855E10-9BF6-2C57-BB17-29122950D153}"/>
+                <a16:creationId xmlns:a16="http://schemas.microsoft.com/office/drawing/2014/main" id="{6B6BC760-1B29-C89F-1B0A-ABBDDE7F391B}"/>
               </a:ext>
             </a:extLst>
           </p:cNvPr>
@@ -580,7 +580,7 @@
           <p:cNvPr id="3" name="竖排文字占位符 2">
             <a:extLst>
               <a:ext uri="{FF2B5EF4-FFF2-40B4-BE49-F238E27FC236}">
-                <a16:creationId xmlns:a16="http://schemas.microsoft.com/office/drawing/2014/main" id="{89727CBC-2926-FA00-97FA-62F010436854}"/>
+                <a16:creationId xmlns:a16="http://schemas.microsoft.com/office/drawing/2014/main" id="{61864931-223C-3F63-09C8-B6D4B102F050}"/>
               </a:ext>
             </a:extLst>
           </p:cNvPr>
@@ -642,7 +642,7 @@
           <p:cNvPr id="4" name="日期占位符 3">
             <a:extLst>
               <a:ext uri="{FF2B5EF4-FFF2-40B4-BE49-F238E27FC236}">
-                <a16:creationId xmlns:a16="http://schemas.microsoft.com/office/drawing/2014/main" id="{1D976755-FAD0-6CCE-5822-F5EEF2B8BE8B}"/>
+                <a16:creationId xmlns:a16="http://schemas.microsoft.com/office/drawing/2014/main" id="{17225991-76B0-0AAC-38DE-5ED3DE98F58E}"/>
               </a:ext>
             </a:extLst>
           </p:cNvPr>
@@ -658,7 +658,7 @@
           <a:bodyPr/>
           <a:lstStyle/>
           <a:p>
-            <a:fld id="{E09CA2D0-EF54-4280-86C2-238E46F6824B}" type="datetimeFigureOut">
+            <a:fld id="{2F9C16B9-1A53-4228-A064-4659ECCFD15A}" type="datetimeFigureOut">
               <a:rPr lang="zh-CN" altLang="en-US" smtClean="0"/>
               <a:t>2024/3/10</a:t>
             </a:fld>
@@ -671,7 +671,7 @@
           <p:cNvPr id="5" name="页脚占位符 4">
             <a:extLst>
               <a:ext uri="{FF2B5EF4-FFF2-40B4-BE49-F238E27FC236}">
-                <a16:creationId xmlns:a16="http://schemas.microsoft.com/office/drawing/2014/main" id="{E27B1781-B085-74A7-7F18-932B784B045B}"/>
+                <a16:creationId xmlns:a16="http://schemas.microsoft.com/office/drawing/2014/main" id="{EADB3E7B-88A9-DD28-6C5E-E53C6549FBF7}"/>
               </a:ext>
             </a:extLst>
           </p:cNvPr>
@@ -696,7 +696,7 @@
           <p:cNvPr id="6" name="灯片编号占位符 5">
             <a:extLst>
               <a:ext uri="{FF2B5EF4-FFF2-40B4-BE49-F238E27FC236}">
-                <a16:creationId xmlns:a16="http://schemas.microsoft.com/office/drawing/2014/main" id="{D1480C2B-CC61-4688-F1EC-5488866BFF11}"/>
+                <a16:creationId xmlns:a16="http://schemas.microsoft.com/office/drawing/2014/main" id="{74EC0A9B-4925-84CD-8518-D14C3BCB89F0}"/>
               </a:ext>
             </a:extLst>
           </p:cNvPr>
@@ -712,7 +712,7 @@
           <a:bodyPr/>
           <a:lstStyle/>
           <a:p>
-            <a:fld id="{D4B99448-4B5E-4AD3-97BC-CA82B82F0C38}" type="slidenum">
+            <a:fld id="{73900AEA-75C5-473F-8932-70E7B419E097}" type="slidenum">
               <a:rPr lang="zh-CN" altLang="en-US" smtClean="0"/>
               <a:t>‹#›</a:t>
             </a:fld>
@@ -723,7 +723,7 @@
     </p:spTree>
     <p:extLst>
       <p:ext uri="{BB962C8B-B14F-4D97-AF65-F5344CB8AC3E}">
-        <p14:creationId xmlns:p14="http://schemas.microsoft.com/office/powerpoint/2010/main" val="3739881579"/>
+        <p14:creationId xmlns:p14="http://schemas.microsoft.com/office/powerpoint/2010/main" val="3426298666"/>
       </p:ext>
     </p:extLst>
   </p:cSld>
@@ -755,7 +755,7 @@
           <p:cNvPr id="2" name="标题 1">
             <a:extLst>
               <a:ext uri="{FF2B5EF4-FFF2-40B4-BE49-F238E27FC236}">
-                <a16:creationId xmlns:a16="http://schemas.microsoft.com/office/drawing/2014/main" id="{4A9F43B6-655E-3F8E-C527-A4A26DE730BC}"/>
+                <a16:creationId xmlns:a16="http://schemas.microsoft.com/office/drawing/2014/main" id="{03D9FF6C-E384-1DC1-2993-55CA25134E22}"/>
               </a:ext>
             </a:extLst>
           </p:cNvPr>
@@ -783,7 +783,7 @@
           <p:cNvPr id="3" name="内容占位符 2">
             <a:extLst>
               <a:ext uri="{FF2B5EF4-FFF2-40B4-BE49-F238E27FC236}">
-                <a16:creationId xmlns:a16="http://schemas.microsoft.com/office/drawing/2014/main" id="{C7D22F12-EF8C-EFF6-31A3-D05440C894AD}"/>
+                <a16:creationId xmlns:a16="http://schemas.microsoft.com/office/drawing/2014/main" id="{9860BA9F-DC8F-71BD-698E-162F9575E214}"/>
               </a:ext>
             </a:extLst>
           </p:cNvPr>
@@ -840,7 +840,7 @@
           <p:cNvPr id="4" name="日期占位符 3">
             <a:extLst>
               <a:ext uri="{FF2B5EF4-FFF2-40B4-BE49-F238E27FC236}">
-                <a16:creationId xmlns:a16="http://schemas.microsoft.com/office/drawing/2014/main" id="{A7799D43-F16D-3096-FC75-D4A948733019}"/>
+                <a16:creationId xmlns:a16="http://schemas.microsoft.com/office/drawing/2014/main" id="{CAC1FB16-AC6B-ADC2-97EC-13B03E3A7038}"/>
               </a:ext>
             </a:extLst>
           </p:cNvPr>
@@ -856,7 +856,7 @@
           <a:bodyPr/>
           <a:lstStyle/>
           <a:p>
-            <a:fld id="{E09CA2D0-EF54-4280-86C2-238E46F6824B}" type="datetimeFigureOut">
+            <a:fld id="{2F9C16B9-1A53-4228-A064-4659ECCFD15A}" type="datetimeFigureOut">
               <a:rPr lang="zh-CN" altLang="en-US" smtClean="0"/>
               <a:t>2024/3/10</a:t>
             </a:fld>
@@ -869,7 +869,7 @@
           <p:cNvPr id="5" name="页脚占位符 4">
             <a:extLst>
               <a:ext uri="{FF2B5EF4-FFF2-40B4-BE49-F238E27FC236}">
-                <a16:creationId xmlns:a16="http://schemas.microsoft.com/office/drawing/2014/main" id="{61CA2C23-5A78-2815-0ECA-B3D1C49D624C}"/>
+                <a16:creationId xmlns:a16="http://schemas.microsoft.com/office/drawing/2014/main" id="{5347DDB2-6F2B-DB97-797E-452886293C42}"/>
               </a:ext>
             </a:extLst>
           </p:cNvPr>
@@ -894,7 +894,7 @@
           <p:cNvPr id="6" name="灯片编号占位符 5">
             <a:extLst>
               <a:ext uri="{FF2B5EF4-FFF2-40B4-BE49-F238E27FC236}">
-                <a16:creationId xmlns:a16="http://schemas.microsoft.com/office/drawing/2014/main" id="{2B3C5471-E449-78ED-B036-7EDA5C9B976F}"/>
+                <a16:creationId xmlns:a16="http://schemas.microsoft.com/office/drawing/2014/main" id="{784B9449-DDD9-E9A9-AF6E-6B09D468E3FC}"/>
               </a:ext>
             </a:extLst>
           </p:cNvPr>
@@ -910,7 +910,7 @@
           <a:bodyPr/>
           <a:lstStyle/>
           <a:p>
-            <a:fld id="{D4B99448-4B5E-4AD3-97BC-CA82B82F0C38}" type="slidenum">
+            <a:fld id="{73900AEA-75C5-473F-8932-70E7B419E097}" type="slidenum">
               <a:rPr lang="zh-CN" altLang="en-US" smtClean="0"/>
               <a:t>‹#›</a:t>
             </a:fld>
@@ -921,7 +921,7 @@
     </p:spTree>
     <p:extLst>
       <p:ext uri="{BB962C8B-B14F-4D97-AF65-F5344CB8AC3E}">
-        <p14:creationId xmlns:p14="http://schemas.microsoft.com/office/powerpoint/2010/main" val="2036394006"/>
+        <p14:creationId xmlns:p14="http://schemas.microsoft.com/office/powerpoint/2010/main" val="2607633903"/>
       </p:ext>
     </p:extLst>
   </p:cSld>
@@ -953,7 +953,7 @@
           <p:cNvPr id="2" name="标题 1">
             <a:extLst>
               <a:ext uri="{FF2B5EF4-FFF2-40B4-BE49-F238E27FC236}">
-                <a16:creationId xmlns:a16="http://schemas.microsoft.com/office/drawing/2014/main" id="{36378466-C50B-0E25-CA50-B5665612BB5D}"/>
+                <a16:creationId xmlns:a16="http://schemas.microsoft.com/office/drawing/2014/main" id="{9F13018B-13E0-0DDB-487C-FD89244A384B}"/>
               </a:ext>
             </a:extLst>
           </p:cNvPr>
@@ -990,7 +990,7 @@
           <p:cNvPr id="3" name="文本占位符 2">
             <a:extLst>
               <a:ext uri="{FF2B5EF4-FFF2-40B4-BE49-F238E27FC236}">
-                <a16:creationId xmlns:a16="http://schemas.microsoft.com/office/drawing/2014/main" id="{CDC2271A-E8DE-8BA0-D00C-F49B1C06EF9C}"/>
+                <a16:creationId xmlns:a16="http://schemas.microsoft.com/office/drawing/2014/main" id="{A2CE488E-373B-9C31-2964-A9985245FF1D}"/>
               </a:ext>
             </a:extLst>
           </p:cNvPr>
@@ -1115,7 +1115,7 @@
           <p:cNvPr id="4" name="日期占位符 3">
             <a:extLst>
               <a:ext uri="{FF2B5EF4-FFF2-40B4-BE49-F238E27FC236}">
-                <a16:creationId xmlns:a16="http://schemas.microsoft.com/office/drawing/2014/main" id="{42D19565-CC6D-7E7A-5212-525FCA7D4872}"/>
+                <a16:creationId xmlns:a16="http://schemas.microsoft.com/office/drawing/2014/main" id="{4FBD740A-2F8C-98E7-96E3-D8E584461DF6}"/>
               </a:ext>
             </a:extLst>
           </p:cNvPr>
@@ -1131,7 +1131,7 @@
           <a:bodyPr/>
           <a:lstStyle/>
           <a:p>
-            <a:fld id="{E09CA2D0-EF54-4280-86C2-238E46F6824B}" type="datetimeFigureOut">
+            <a:fld id="{2F9C16B9-1A53-4228-A064-4659ECCFD15A}" type="datetimeFigureOut">
               <a:rPr lang="zh-CN" altLang="en-US" smtClean="0"/>
               <a:t>2024/3/10</a:t>
             </a:fld>
@@ -1144,7 +1144,7 @@
           <p:cNvPr id="5" name="页脚占位符 4">
             <a:extLst>
               <a:ext uri="{FF2B5EF4-FFF2-40B4-BE49-F238E27FC236}">
-                <a16:creationId xmlns:a16="http://schemas.microsoft.com/office/drawing/2014/main" id="{C343592B-911C-387D-BABB-53C65984E8AA}"/>
+                <a16:creationId xmlns:a16="http://schemas.microsoft.com/office/drawing/2014/main" id="{BB92D026-4570-C4BE-3472-D75E117B5E50}"/>
               </a:ext>
             </a:extLst>
           </p:cNvPr>
@@ -1169,7 +1169,7 @@
           <p:cNvPr id="6" name="灯片编号占位符 5">
             <a:extLst>
               <a:ext uri="{FF2B5EF4-FFF2-40B4-BE49-F238E27FC236}">
-                <a16:creationId xmlns:a16="http://schemas.microsoft.com/office/drawing/2014/main" id="{06D4AB7D-BED5-7A62-0D8C-86EC39771E36}"/>
+                <a16:creationId xmlns:a16="http://schemas.microsoft.com/office/drawing/2014/main" id="{E3F543A5-1473-28FC-5B6D-25748EC0E222}"/>
               </a:ext>
             </a:extLst>
           </p:cNvPr>
@@ -1185,7 +1185,7 @@
           <a:bodyPr/>
           <a:lstStyle/>
           <a:p>
-            <a:fld id="{D4B99448-4B5E-4AD3-97BC-CA82B82F0C38}" type="slidenum">
+            <a:fld id="{73900AEA-75C5-473F-8932-70E7B419E097}" type="slidenum">
               <a:rPr lang="zh-CN" altLang="en-US" smtClean="0"/>
               <a:t>‹#›</a:t>
             </a:fld>
@@ -1196,7 +1196,7 @@
     </p:spTree>
     <p:extLst>
       <p:ext uri="{BB962C8B-B14F-4D97-AF65-F5344CB8AC3E}">
-        <p14:creationId xmlns:p14="http://schemas.microsoft.com/office/powerpoint/2010/main" val="793489696"/>
+        <p14:creationId xmlns:p14="http://schemas.microsoft.com/office/powerpoint/2010/main" val="3370434333"/>
       </p:ext>
     </p:extLst>
   </p:cSld>
@@ -1228,7 +1228,7 @@
           <p:cNvPr id="2" name="标题 1">
             <a:extLst>
               <a:ext uri="{FF2B5EF4-FFF2-40B4-BE49-F238E27FC236}">
-                <a16:creationId xmlns:a16="http://schemas.microsoft.com/office/drawing/2014/main" id="{2DE36F32-1000-6EB8-5F65-BE566A2B5FEF}"/>
+                <a16:creationId xmlns:a16="http://schemas.microsoft.com/office/drawing/2014/main" id="{2C2B50CB-91F2-FB56-A1C9-401E1FF39035}"/>
               </a:ext>
             </a:extLst>
           </p:cNvPr>
@@ -1256,7 +1256,7 @@
           <p:cNvPr id="3" name="内容占位符 2">
             <a:extLst>
               <a:ext uri="{FF2B5EF4-FFF2-40B4-BE49-F238E27FC236}">
-                <a16:creationId xmlns:a16="http://schemas.microsoft.com/office/drawing/2014/main" id="{7B633CE5-072E-4BB4-6221-682C88181640}"/>
+                <a16:creationId xmlns:a16="http://schemas.microsoft.com/office/drawing/2014/main" id="{C0AF9CCC-3C79-D71F-46BB-66BD60432EEA}"/>
               </a:ext>
             </a:extLst>
           </p:cNvPr>
@@ -1318,7 +1318,7 @@
           <p:cNvPr id="4" name="内容占位符 3">
             <a:extLst>
               <a:ext uri="{FF2B5EF4-FFF2-40B4-BE49-F238E27FC236}">
-                <a16:creationId xmlns:a16="http://schemas.microsoft.com/office/drawing/2014/main" id="{9A0818D6-7B58-37A1-BC16-ECAB6D9D97F7}"/>
+                <a16:creationId xmlns:a16="http://schemas.microsoft.com/office/drawing/2014/main" id="{50A0186E-BF00-01DF-DF81-372C7EBC92FC}"/>
               </a:ext>
             </a:extLst>
           </p:cNvPr>
@@ -1380,7 +1380,7 @@
           <p:cNvPr id="5" name="日期占位符 4">
             <a:extLst>
               <a:ext uri="{FF2B5EF4-FFF2-40B4-BE49-F238E27FC236}">
-                <a16:creationId xmlns:a16="http://schemas.microsoft.com/office/drawing/2014/main" id="{B0F2F017-CBBA-6B55-FC47-4F9BF7CF3E29}"/>
+                <a16:creationId xmlns:a16="http://schemas.microsoft.com/office/drawing/2014/main" id="{140495E3-8FA1-12A6-823B-5D45FB127403}"/>
               </a:ext>
             </a:extLst>
           </p:cNvPr>
@@ -1396,7 +1396,7 @@
           <a:bodyPr/>
           <a:lstStyle/>
           <a:p>
-            <a:fld id="{E09CA2D0-EF54-4280-86C2-238E46F6824B}" type="datetimeFigureOut">
+            <a:fld id="{2F9C16B9-1A53-4228-A064-4659ECCFD15A}" type="datetimeFigureOut">
               <a:rPr lang="zh-CN" altLang="en-US" smtClean="0"/>
               <a:t>2024/3/10</a:t>
             </a:fld>
@@ -1409,7 +1409,7 @@
           <p:cNvPr id="6" name="页脚占位符 5">
             <a:extLst>
               <a:ext uri="{FF2B5EF4-FFF2-40B4-BE49-F238E27FC236}">
-                <a16:creationId xmlns:a16="http://schemas.microsoft.com/office/drawing/2014/main" id="{63544F81-949D-84C4-42B6-7F930F3ECF2E}"/>
+                <a16:creationId xmlns:a16="http://schemas.microsoft.com/office/drawing/2014/main" id="{3AF27AB6-D009-2E2C-A690-DE742A7C6A02}"/>
               </a:ext>
             </a:extLst>
           </p:cNvPr>
@@ -1434,7 +1434,7 @@
           <p:cNvPr id="7" name="灯片编号占位符 6">
             <a:extLst>
               <a:ext uri="{FF2B5EF4-FFF2-40B4-BE49-F238E27FC236}">
-                <a16:creationId xmlns:a16="http://schemas.microsoft.com/office/drawing/2014/main" id="{91416BB3-ED0C-98C9-7D1B-37F1389E64C9}"/>
+                <a16:creationId xmlns:a16="http://schemas.microsoft.com/office/drawing/2014/main" id="{811B8D05-EEB2-7D0E-AB3E-00DC18D0219E}"/>
               </a:ext>
             </a:extLst>
           </p:cNvPr>
@@ -1450,7 +1450,7 @@
           <a:bodyPr/>
           <a:lstStyle/>
           <a:p>
-            <a:fld id="{D4B99448-4B5E-4AD3-97BC-CA82B82F0C38}" type="slidenum">
+            <a:fld id="{73900AEA-75C5-473F-8932-70E7B419E097}" type="slidenum">
               <a:rPr lang="zh-CN" altLang="en-US" smtClean="0"/>
               <a:t>‹#›</a:t>
             </a:fld>
@@ -1461,7 +1461,7 @@
     </p:spTree>
     <p:extLst>
       <p:ext uri="{BB962C8B-B14F-4D97-AF65-F5344CB8AC3E}">
-        <p14:creationId xmlns:p14="http://schemas.microsoft.com/office/powerpoint/2010/main" val="645704827"/>
+        <p14:creationId xmlns:p14="http://schemas.microsoft.com/office/powerpoint/2010/main" val="853501753"/>
       </p:ext>
     </p:extLst>
   </p:cSld>
@@ -1493,7 +1493,7 @@
           <p:cNvPr id="2" name="标题 1">
             <a:extLst>
               <a:ext uri="{FF2B5EF4-FFF2-40B4-BE49-F238E27FC236}">
-                <a16:creationId xmlns:a16="http://schemas.microsoft.com/office/drawing/2014/main" id="{A36F8AC4-ABE5-70CE-46A3-A65F34773F6A}"/>
+                <a16:creationId xmlns:a16="http://schemas.microsoft.com/office/drawing/2014/main" id="{18942B8B-8606-9379-1A1B-C2A3D7895A9D}"/>
               </a:ext>
             </a:extLst>
           </p:cNvPr>
@@ -1526,7 +1526,7 @@
           <p:cNvPr id="3" name="文本占位符 2">
             <a:extLst>
               <a:ext uri="{FF2B5EF4-FFF2-40B4-BE49-F238E27FC236}">
-                <a16:creationId xmlns:a16="http://schemas.microsoft.com/office/drawing/2014/main" id="{F1C1C309-EA52-FFAA-7FCD-AC4D3703DDAA}"/>
+                <a16:creationId xmlns:a16="http://schemas.microsoft.com/office/drawing/2014/main" id="{2D7D0076-B109-D922-376B-A65B3A0C88AF}"/>
               </a:ext>
             </a:extLst>
           </p:cNvPr>
@@ -1597,7 +1597,7 @@
           <p:cNvPr id="4" name="内容占位符 3">
             <a:extLst>
               <a:ext uri="{FF2B5EF4-FFF2-40B4-BE49-F238E27FC236}">
-                <a16:creationId xmlns:a16="http://schemas.microsoft.com/office/drawing/2014/main" id="{A8E24563-8319-BD47-E7CB-3036C3112E9E}"/>
+                <a16:creationId xmlns:a16="http://schemas.microsoft.com/office/drawing/2014/main" id="{8AD7873F-0237-CA4D-D053-FB8595E0C1A1}"/>
               </a:ext>
             </a:extLst>
           </p:cNvPr>
@@ -1659,7 +1659,7 @@
           <p:cNvPr id="5" name="文本占位符 4">
             <a:extLst>
               <a:ext uri="{FF2B5EF4-FFF2-40B4-BE49-F238E27FC236}">
-                <a16:creationId xmlns:a16="http://schemas.microsoft.com/office/drawing/2014/main" id="{D42C9F9E-50A2-FA4C-4890-97BD5D7B5C0D}"/>
+                <a16:creationId xmlns:a16="http://schemas.microsoft.com/office/drawing/2014/main" id="{D47C7A89-EC80-5D89-2A74-A76E1998CCEE}"/>
               </a:ext>
             </a:extLst>
           </p:cNvPr>
@@ -1730,7 +1730,7 @@
           <p:cNvPr id="6" name="内容占位符 5">
             <a:extLst>
               <a:ext uri="{FF2B5EF4-FFF2-40B4-BE49-F238E27FC236}">
-                <a16:creationId xmlns:a16="http://schemas.microsoft.com/office/drawing/2014/main" id="{5C973BE6-7FF7-5576-06B7-82279A0B4E24}"/>
+                <a16:creationId xmlns:a16="http://schemas.microsoft.com/office/drawing/2014/main" id="{8D64B6D6-9264-1606-2317-D2953A82C92F}"/>
               </a:ext>
             </a:extLst>
           </p:cNvPr>
@@ -1792,7 +1792,7 @@
           <p:cNvPr id="7" name="日期占位符 6">
             <a:extLst>
               <a:ext uri="{FF2B5EF4-FFF2-40B4-BE49-F238E27FC236}">
-                <a16:creationId xmlns:a16="http://schemas.microsoft.com/office/drawing/2014/main" id="{46428845-87E0-175D-F06B-96868E105E6D}"/>
+                <a16:creationId xmlns:a16="http://schemas.microsoft.com/office/drawing/2014/main" id="{4861AA21-1F58-484A-8EE1-77CF82840C49}"/>
               </a:ext>
             </a:extLst>
           </p:cNvPr>
@@ -1808,7 +1808,7 @@
           <a:bodyPr/>
           <a:lstStyle/>
           <a:p>
-            <a:fld id="{E09CA2D0-EF54-4280-86C2-238E46F6824B}" type="datetimeFigureOut">
+            <a:fld id="{2F9C16B9-1A53-4228-A064-4659ECCFD15A}" type="datetimeFigureOut">
               <a:rPr lang="zh-CN" altLang="en-US" smtClean="0"/>
               <a:t>2024/3/10</a:t>
             </a:fld>
@@ -1821,7 +1821,7 @@
           <p:cNvPr id="8" name="页脚占位符 7">
             <a:extLst>
               <a:ext uri="{FF2B5EF4-FFF2-40B4-BE49-F238E27FC236}">
-                <a16:creationId xmlns:a16="http://schemas.microsoft.com/office/drawing/2014/main" id="{699ECB14-6244-F462-F002-166E63B35EAC}"/>
+                <a16:creationId xmlns:a16="http://schemas.microsoft.com/office/drawing/2014/main" id="{E49DD9F3-6537-0B9A-A43F-D17240ABA398}"/>
               </a:ext>
             </a:extLst>
           </p:cNvPr>
@@ -1846,7 +1846,7 @@
           <p:cNvPr id="9" name="灯片编号占位符 8">
             <a:extLst>
               <a:ext uri="{FF2B5EF4-FFF2-40B4-BE49-F238E27FC236}">
-                <a16:creationId xmlns:a16="http://schemas.microsoft.com/office/drawing/2014/main" id="{C52C0A1F-D068-206C-F858-F357F685B296}"/>
+                <a16:creationId xmlns:a16="http://schemas.microsoft.com/office/drawing/2014/main" id="{788FF285-26C8-8F42-5B37-D94A6168763B}"/>
               </a:ext>
             </a:extLst>
           </p:cNvPr>
@@ -1862,7 +1862,7 @@
           <a:bodyPr/>
           <a:lstStyle/>
           <a:p>
-            <a:fld id="{D4B99448-4B5E-4AD3-97BC-CA82B82F0C38}" type="slidenum">
+            <a:fld id="{73900AEA-75C5-473F-8932-70E7B419E097}" type="slidenum">
               <a:rPr lang="zh-CN" altLang="en-US" smtClean="0"/>
               <a:t>‹#›</a:t>
             </a:fld>
@@ -1873,7 +1873,7 @@
     </p:spTree>
     <p:extLst>
       <p:ext uri="{BB962C8B-B14F-4D97-AF65-F5344CB8AC3E}">
-        <p14:creationId xmlns:p14="http://schemas.microsoft.com/office/powerpoint/2010/main" val="3938435195"/>
+        <p14:creationId xmlns:p14="http://schemas.microsoft.com/office/powerpoint/2010/main" val="491793361"/>
       </p:ext>
     </p:extLst>
   </p:cSld>
@@ -1905,7 +1905,7 @@
           <p:cNvPr id="2" name="标题 1">
             <a:extLst>
               <a:ext uri="{FF2B5EF4-FFF2-40B4-BE49-F238E27FC236}">
-                <a16:creationId xmlns:a16="http://schemas.microsoft.com/office/drawing/2014/main" id="{FAF46167-218C-34BE-2099-9071A0AFF11C}"/>
+                <a16:creationId xmlns:a16="http://schemas.microsoft.com/office/drawing/2014/main" id="{DCDB5E45-3446-D9E8-6284-D62A0803F14D}"/>
               </a:ext>
             </a:extLst>
           </p:cNvPr>
@@ -1933,7 +1933,7 @@
           <p:cNvPr id="3" name="日期占位符 2">
             <a:extLst>
               <a:ext uri="{FF2B5EF4-FFF2-40B4-BE49-F238E27FC236}">
-                <a16:creationId xmlns:a16="http://schemas.microsoft.com/office/drawing/2014/main" id="{26B491A8-F8DE-8D8B-EA12-C42176F2E73B}"/>
+                <a16:creationId xmlns:a16="http://schemas.microsoft.com/office/drawing/2014/main" id="{6DA965C6-7B8D-9B7F-C55B-FE887BB11926}"/>
               </a:ext>
             </a:extLst>
           </p:cNvPr>
@@ -1949,7 +1949,7 @@
           <a:bodyPr/>
           <a:lstStyle/>
           <a:p>
-            <a:fld id="{E09CA2D0-EF54-4280-86C2-238E46F6824B}" type="datetimeFigureOut">
+            <a:fld id="{2F9C16B9-1A53-4228-A064-4659ECCFD15A}" type="datetimeFigureOut">
               <a:rPr lang="zh-CN" altLang="en-US" smtClean="0"/>
               <a:t>2024/3/10</a:t>
             </a:fld>
@@ -1962,7 +1962,7 @@
           <p:cNvPr id="4" name="页脚占位符 3">
             <a:extLst>
               <a:ext uri="{FF2B5EF4-FFF2-40B4-BE49-F238E27FC236}">
-                <a16:creationId xmlns:a16="http://schemas.microsoft.com/office/drawing/2014/main" id="{25D6BCB8-D2D8-0F35-A2C4-EB5B855B657B}"/>
+                <a16:creationId xmlns:a16="http://schemas.microsoft.com/office/drawing/2014/main" id="{53538681-1A51-CC99-BC7B-9CA0D34EF350}"/>
               </a:ext>
             </a:extLst>
           </p:cNvPr>
@@ -1987,7 +1987,7 @@
           <p:cNvPr id="5" name="灯片编号占位符 4">
             <a:extLst>
               <a:ext uri="{FF2B5EF4-FFF2-40B4-BE49-F238E27FC236}">
-                <a16:creationId xmlns:a16="http://schemas.microsoft.com/office/drawing/2014/main" id="{0E0DDE84-8BCB-0BC7-0DFA-9CE7C3CCAB8E}"/>
+                <a16:creationId xmlns:a16="http://schemas.microsoft.com/office/drawing/2014/main" id="{52F8543B-FD6E-4CE9-C248-064BB1530952}"/>
               </a:ext>
             </a:extLst>
           </p:cNvPr>
@@ -2003,7 +2003,7 @@
           <a:bodyPr/>
           <a:lstStyle/>
           <a:p>
-            <a:fld id="{D4B99448-4B5E-4AD3-97BC-CA82B82F0C38}" type="slidenum">
+            <a:fld id="{73900AEA-75C5-473F-8932-70E7B419E097}" type="slidenum">
               <a:rPr lang="zh-CN" altLang="en-US" smtClean="0"/>
               <a:t>‹#›</a:t>
             </a:fld>
@@ -2014,7 +2014,7 @@
     </p:spTree>
     <p:extLst>
       <p:ext uri="{BB962C8B-B14F-4D97-AF65-F5344CB8AC3E}">
-        <p14:creationId xmlns:p14="http://schemas.microsoft.com/office/powerpoint/2010/main" val="1990935641"/>
+        <p14:creationId xmlns:p14="http://schemas.microsoft.com/office/powerpoint/2010/main" val="2604914191"/>
       </p:ext>
     </p:extLst>
   </p:cSld>
@@ -2046,7 +2046,7 @@
           <p:cNvPr id="2" name="日期占位符 1">
             <a:extLst>
               <a:ext uri="{FF2B5EF4-FFF2-40B4-BE49-F238E27FC236}">
-                <a16:creationId xmlns:a16="http://schemas.microsoft.com/office/drawing/2014/main" id="{DD4B10A9-C5B7-7B8A-BE2E-001A05EBDA37}"/>
+                <a16:creationId xmlns:a16="http://schemas.microsoft.com/office/drawing/2014/main" id="{5BDB55C8-6F59-0EC8-2B45-B68F99F67DF3}"/>
               </a:ext>
             </a:extLst>
           </p:cNvPr>
@@ -2062,7 +2062,7 @@
           <a:bodyPr/>
           <a:lstStyle/>
           <a:p>
-            <a:fld id="{E09CA2D0-EF54-4280-86C2-238E46F6824B}" type="datetimeFigureOut">
+            <a:fld id="{2F9C16B9-1A53-4228-A064-4659ECCFD15A}" type="datetimeFigureOut">
               <a:rPr lang="zh-CN" altLang="en-US" smtClean="0"/>
               <a:t>2024/3/10</a:t>
             </a:fld>
@@ -2075,7 +2075,7 @@
           <p:cNvPr id="3" name="页脚占位符 2">
             <a:extLst>
               <a:ext uri="{FF2B5EF4-FFF2-40B4-BE49-F238E27FC236}">
-                <a16:creationId xmlns:a16="http://schemas.microsoft.com/office/drawing/2014/main" id="{0D2DACA7-7A8D-482F-8AFE-5B2C910D3809}"/>
+                <a16:creationId xmlns:a16="http://schemas.microsoft.com/office/drawing/2014/main" id="{BD67638A-C31E-B712-C362-8A785950AE03}"/>
               </a:ext>
             </a:extLst>
           </p:cNvPr>
@@ -2100,7 +2100,7 @@
           <p:cNvPr id="4" name="灯片编号占位符 3">
             <a:extLst>
               <a:ext uri="{FF2B5EF4-FFF2-40B4-BE49-F238E27FC236}">
-                <a16:creationId xmlns:a16="http://schemas.microsoft.com/office/drawing/2014/main" id="{3FBE34CE-7364-CBF6-B061-C91F6DCA25C1}"/>
+                <a16:creationId xmlns:a16="http://schemas.microsoft.com/office/drawing/2014/main" id="{1A709D5F-87B4-DA54-3475-B311F57927C6}"/>
               </a:ext>
             </a:extLst>
           </p:cNvPr>
@@ -2116,7 +2116,7 @@
           <a:bodyPr/>
           <a:lstStyle/>
           <a:p>
-            <a:fld id="{D4B99448-4B5E-4AD3-97BC-CA82B82F0C38}" type="slidenum">
+            <a:fld id="{73900AEA-75C5-473F-8932-70E7B419E097}" type="slidenum">
               <a:rPr lang="zh-CN" altLang="en-US" smtClean="0"/>
               <a:t>‹#›</a:t>
             </a:fld>
@@ -2127,7 +2127,7 @@
     </p:spTree>
     <p:extLst>
       <p:ext uri="{BB962C8B-B14F-4D97-AF65-F5344CB8AC3E}">
-        <p14:creationId xmlns:p14="http://schemas.microsoft.com/office/powerpoint/2010/main" val="559967306"/>
+        <p14:creationId xmlns:p14="http://schemas.microsoft.com/office/powerpoint/2010/main" val="618185595"/>
       </p:ext>
     </p:extLst>
   </p:cSld>
@@ -2159,7 +2159,7 @@
           <p:cNvPr id="2" name="标题 1">
             <a:extLst>
               <a:ext uri="{FF2B5EF4-FFF2-40B4-BE49-F238E27FC236}">
-                <a16:creationId xmlns:a16="http://schemas.microsoft.com/office/drawing/2014/main" id="{81C8ACE4-A716-E537-2A9E-B37F164652F8}"/>
+                <a16:creationId xmlns:a16="http://schemas.microsoft.com/office/drawing/2014/main" id="{74EAC423-FA63-D1E7-A3F5-DA3BDBAC23B9}"/>
               </a:ext>
             </a:extLst>
           </p:cNvPr>
@@ -2196,7 +2196,7 @@
           <p:cNvPr id="3" name="内容占位符 2">
             <a:extLst>
               <a:ext uri="{FF2B5EF4-FFF2-40B4-BE49-F238E27FC236}">
-                <a16:creationId xmlns:a16="http://schemas.microsoft.com/office/drawing/2014/main" id="{DB22A751-9CD6-A104-1BAF-98D8C36A49DE}"/>
+                <a16:creationId xmlns:a16="http://schemas.microsoft.com/office/drawing/2014/main" id="{5061D931-0D11-76E5-71CA-5C730538E10A}"/>
               </a:ext>
             </a:extLst>
           </p:cNvPr>
@@ -2286,7 +2286,7 @@
           <p:cNvPr id="4" name="文本占位符 3">
             <a:extLst>
               <a:ext uri="{FF2B5EF4-FFF2-40B4-BE49-F238E27FC236}">
-                <a16:creationId xmlns:a16="http://schemas.microsoft.com/office/drawing/2014/main" id="{1CD4F801-3401-1CF8-31A5-ADF7BCF77F78}"/>
+                <a16:creationId xmlns:a16="http://schemas.microsoft.com/office/drawing/2014/main" id="{CA394061-5788-1716-6304-113FE15D32E1}"/>
               </a:ext>
             </a:extLst>
           </p:cNvPr>
@@ -2357,7 +2357,7 @@
           <p:cNvPr id="5" name="日期占位符 4">
             <a:extLst>
               <a:ext uri="{FF2B5EF4-FFF2-40B4-BE49-F238E27FC236}">
-                <a16:creationId xmlns:a16="http://schemas.microsoft.com/office/drawing/2014/main" id="{51DDB529-3FE7-3928-FE9E-FA81A0FD0A3A}"/>
+                <a16:creationId xmlns:a16="http://schemas.microsoft.com/office/drawing/2014/main" id="{3D8C11A4-1F0B-5F55-07A8-5A657E5387D2}"/>
               </a:ext>
             </a:extLst>
           </p:cNvPr>
@@ -2373,7 +2373,7 @@
           <a:bodyPr/>
           <a:lstStyle/>
           <a:p>
-            <a:fld id="{E09CA2D0-EF54-4280-86C2-238E46F6824B}" type="datetimeFigureOut">
+            <a:fld id="{2F9C16B9-1A53-4228-A064-4659ECCFD15A}" type="datetimeFigureOut">
               <a:rPr lang="zh-CN" altLang="en-US" smtClean="0"/>
               <a:t>2024/3/10</a:t>
             </a:fld>
@@ -2386,7 +2386,7 @@
           <p:cNvPr id="6" name="页脚占位符 5">
             <a:extLst>
               <a:ext uri="{FF2B5EF4-FFF2-40B4-BE49-F238E27FC236}">
-                <a16:creationId xmlns:a16="http://schemas.microsoft.com/office/drawing/2014/main" id="{208EE31E-8181-3766-C8F0-6B45EFD2B75E}"/>
+                <a16:creationId xmlns:a16="http://schemas.microsoft.com/office/drawing/2014/main" id="{20F84AE2-C88A-43A2-3086-917D4B386643}"/>
               </a:ext>
             </a:extLst>
           </p:cNvPr>
@@ -2411,7 +2411,7 @@
           <p:cNvPr id="7" name="灯片编号占位符 6">
             <a:extLst>
               <a:ext uri="{FF2B5EF4-FFF2-40B4-BE49-F238E27FC236}">
-                <a16:creationId xmlns:a16="http://schemas.microsoft.com/office/drawing/2014/main" id="{A0C4EC47-4CB5-012E-594C-235EDF40B807}"/>
+                <a16:creationId xmlns:a16="http://schemas.microsoft.com/office/drawing/2014/main" id="{D3761273-E06B-10D7-E507-076C92C35E8E}"/>
               </a:ext>
             </a:extLst>
           </p:cNvPr>
@@ -2427,7 +2427,7 @@
           <a:bodyPr/>
           <a:lstStyle/>
           <a:p>
-            <a:fld id="{D4B99448-4B5E-4AD3-97BC-CA82B82F0C38}" type="slidenum">
+            <a:fld id="{73900AEA-75C5-473F-8932-70E7B419E097}" type="slidenum">
               <a:rPr lang="zh-CN" altLang="en-US" smtClean="0"/>
               <a:t>‹#›</a:t>
             </a:fld>
@@ -2438,7 +2438,7 @@
     </p:spTree>
     <p:extLst>
       <p:ext uri="{BB962C8B-B14F-4D97-AF65-F5344CB8AC3E}">
-        <p14:creationId xmlns:p14="http://schemas.microsoft.com/office/powerpoint/2010/main" val="2621575221"/>
+        <p14:creationId xmlns:p14="http://schemas.microsoft.com/office/powerpoint/2010/main" val="1353053715"/>
       </p:ext>
     </p:extLst>
   </p:cSld>
@@ -2470,7 +2470,7 @@
           <p:cNvPr id="2" name="标题 1">
             <a:extLst>
               <a:ext uri="{FF2B5EF4-FFF2-40B4-BE49-F238E27FC236}">
-                <a16:creationId xmlns:a16="http://schemas.microsoft.com/office/drawing/2014/main" id="{91DCC925-B36D-D684-7D3D-666BC936318A}"/>
+                <a16:creationId xmlns:a16="http://schemas.microsoft.com/office/drawing/2014/main" id="{6E6A7767-952C-02D3-C71F-8BE45F57A3DF}"/>
               </a:ext>
             </a:extLst>
           </p:cNvPr>
@@ -2507,7 +2507,7 @@
           <p:cNvPr id="3" name="图片占位符 2">
             <a:extLst>
               <a:ext uri="{FF2B5EF4-FFF2-40B4-BE49-F238E27FC236}">
-                <a16:creationId xmlns:a16="http://schemas.microsoft.com/office/drawing/2014/main" id="{BC437228-56C8-926D-4F02-7E3F445D86B2}"/>
+                <a16:creationId xmlns:a16="http://schemas.microsoft.com/office/drawing/2014/main" id="{83A155DF-281D-3EC2-2569-9F8CD4FAFB47}"/>
               </a:ext>
             </a:extLst>
           </p:cNvPr>
@@ -2574,7 +2574,7 @@
           <p:cNvPr id="4" name="文本占位符 3">
             <a:extLst>
               <a:ext uri="{FF2B5EF4-FFF2-40B4-BE49-F238E27FC236}">
-                <a16:creationId xmlns:a16="http://schemas.microsoft.com/office/drawing/2014/main" id="{51894005-9B59-3D86-2706-42F408141380}"/>
+                <a16:creationId xmlns:a16="http://schemas.microsoft.com/office/drawing/2014/main" id="{AE31D6C6-705E-B2AE-B383-C00C37BE943E}"/>
               </a:ext>
             </a:extLst>
           </p:cNvPr>
@@ -2645,7 +2645,7 @@
           <p:cNvPr id="5" name="日期占位符 4">
             <a:extLst>
               <a:ext uri="{FF2B5EF4-FFF2-40B4-BE49-F238E27FC236}">
-                <a16:creationId xmlns:a16="http://schemas.microsoft.com/office/drawing/2014/main" id="{72DD9596-B7BF-DE7B-E71A-EBE573C7FE4F}"/>
+                <a16:creationId xmlns:a16="http://schemas.microsoft.com/office/drawing/2014/main" id="{A4BDF88B-76D6-4665-F1CE-E8A844755D57}"/>
               </a:ext>
             </a:extLst>
           </p:cNvPr>
@@ -2661,7 +2661,7 @@
           <a:bodyPr/>
           <a:lstStyle/>
           <a:p>
-            <a:fld id="{E09CA2D0-EF54-4280-86C2-238E46F6824B}" type="datetimeFigureOut">
+            <a:fld id="{2F9C16B9-1A53-4228-A064-4659ECCFD15A}" type="datetimeFigureOut">
               <a:rPr lang="zh-CN" altLang="en-US" smtClean="0"/>
               <a:t>2024/3/10</a:t>
             </a:fld>
@@ -2674,7 +2674,7 @@
           <p:cNvPr id="6" name="页脚占位符 5">
             <a:extLst>
               <a:ext uri="{FF2B5EF4-FFF2-40B4-BE49-F238E27FC236}">
-                <a16:creationId xmlns:a16="http://schemas.microsoft.com/office/drawing/2014/main" id="{4065C30C-8B28-E58C-76BF-CA425FD46084}"/>
+                <a16:creationId xmlns:a16="http://schemas.microsoft.com/office/drawing/2014/main" id="{552F0965-B324-9363-C56F-67CBF3A7D5E0}"/>
               </a:ext>
             </a:extLst>
           </p:cNvPr>
@@ -2699,7 +2699,7 @@
           <p:cNvPr id="7" name="灯片编号占位符 6">
             <a:extLst>
               <a:ext uri="{FF2B5EF4-FFF2-40B4-BE49-F238E27FC236}">
-                <a16:creationId xmlns:a16="http://schemas.microsoft.com/office/drawing/2014/main" id="{D27616F6-EAC0-2ECE-6B53-879D15C83CAC}"/>
+                <a16:creationId xmlns:a16="http://schemas.microsoft.com/office/drawing/2014/main" id="{BC066586-5602-5AB8-10CD-8F72D65ABB4C}"/>
               </a:ext>
             </a:extLst>
           </p:cNvPr>
@@ -2715,7 +2715,7 @@
           <a:bodyPr/>
           <a:lstStyle/>
           <a:p>
-            <a:fld id="{D4B99448-4B5E-4AD3-97BC-CA82B82F0C38}" type="slidenum">
+            <a:fld id="{73900AEA-75C5-473F-8932-70E7B419E097}" type="slidenum">
               <a:rPr lang="zh-CN" altLang="en-US" smtClean="0"/>
               <a:t>‹#›</a:t>
             </a:fld>
@@ -2726,7 +2726,7 @@
     </p:spTree>
     <p:extLst>
       <p:ext uri="{BB962C8B-B14F-4D97-AF65-F5344CB8AC3E}">
-        <p14:creationId xmlns:p14="http://schemas.microsoft.com/office/powerpoint/2010/main" val="1453413679"/>
+        <p14:creationId xmlns:p14="http://schemas.microsoft.com/office/powerpoint/2010/main" val="979353157"/>
       </p:ext>
     </p:extLst>
   </p:cSld>
@@ -2763,7 +2763,7 @@
           <p:cNvPr id="2" name="标题占位符 1">
             <a:extLst>
               <a:ext uri="{FF2B5EF4-FFF2-40B4-BE49-F238E27FC236}">
-                <a16:creationId xmlns:a16="http://schemas.microsoft.com/office/drawing/2014/main" id="{ECA0458B-F24D-2B91-C2DD-0C3EC20331AE}"/>
+                <a16:creationId xmlns:a16="http://schemas.microsoft.com/office/drawing/2014/main" id="{115C88C6-603F-384E-C706-1B384DB37F83}"/>
               </a:ext>
             </a:extLst>
           </p:cNvPr>
@@ -2801,7 +2801,7 @@
           <p:cNvPr id="3" name="文本占位符 2">
             <a:extLst>
               <a:ext uri="{FF2B5EF4-FFF2-40B4-BE49-F238E27FC236}">
-                <a16:creationId xmlns:a16="http://schemas.microsoft.com/office/drawing/2014/main" id="{14A0FF66-BB01-7AA7-7AE5-D9412C693A87}"/>
+                <a16:creationId xmlns:a16="http://schemas.microsoft.com/office/drawing/2014/main" id="{CCDD3B48-14BB-734C-38FD-9E574FA45588}"/>
               </a:ext>
             </a:extLst>
           </p:cNvPr>
@@ -2868,7 +2868,7 @@
           <p:cNvPr id="4" name="日期占位符 3">
             <a:extLst>
               <a:ext uri="{FF2B5EF4-FFF2-40B4-BE49-F238E27FC236}">
-                <a16:creationId xmlns:a16="http://schemas.microsoft.com/office/drawing/2014/main" id="{AD6A653B-E8D5-A467-7AE1-18C015CBA09C}"/>
+                <a16:creationId xmlns:a16="http://schemas.microsoft.com/office/drawing/2014/main" id="{D4801E82-A87A-B278-86D7-91D0D82010DC}"/>
               </a:ext>
             </a:extLst>
           </p:cNvPr>
@@ -2902,7 +2902,7 @@
             </a:lvl1pPr>
           </a:lstStyle>
           <a:p>
-            <a:fld id="{E09CA2D0-EF54-4280-86C2-238E46F6824B}" type="datetimeFigureOut">
+            <a:fld id="{2F9C16B9-1A53-4228-A064-4659ECCFD15A}" type="datetimeFigureOut">
               <a:rPr lang="zh-CN" altLang="en-US" smtClean="0"/>
               <a:t>2024/3/10</a:t>
             </a:fld>
@@ -2915,7 +2915,7 @@
           <p:cNvPr id="5" name="页脚占位符 4">
             <a:extLst>
               <a:ext uri="{FF2B5EF4-FFF2-40B4-BE49-F238E27FC236}">
-                <a16:creationId xmlns:a16="http://schemas.microsoft.com/office/drawing/2014/main" id="{A9CAF080-EA9A-47A6-71CB-1BD91428E02E}"/>
+                <a16:creationId xmlns:a16="http://schemas.microsoft.com/office/drawing/2014/main" id="{E465ACA2-25AF-6EC4-1ACA-18E8706B387E}"/>
               </a:ext>
             </a:extLst>
           </p:cNvPr>
@@ -2958,7 +2958,7 @@
           <p:cNvPr id="6" name="灯片编号占位符 5">
             <a:extLst>
               <a:ext uri="{FF2B5EF4-FFF2-40B4-BE49-F238E27FC236}">
-                <a16:creationId xmlns:a16="http://schemas.microsoft.com/office/drawing/2014/main" id="{94A27B33-F1EE-31D0-A5FE-EABE09B0A094}"/>
+                <a16:creationId xmlns:a16="http://schemas.microsoft.com/office/drawing/2014/main" id="{39377EB7-EB9F-88CA-5A18-BC62CAB1E57E}"/>
               </a:ext>
             </a:extLst>
           </p:cNvPr>
@@ -2992,7 +2992,7 @@
             </a:lvl1pPr>
           </a:lstStyle>
           <a:p>
-            <a:fld id="{D4B99448-4B5E-4AD3-97BC-CA82B82F0C38}" type="slidenum">
+            <a:fld id="{73900AEA-75C5-473F-8932-70E7B419E097}" type="slidenum">
               <a:rPr lang="zh-CN" altLang="en-US" smtClean="0"/>
               <a:t>‹#›</a:t>
             </a:fld>
@@ -3003,7 +3003,7 @@
     </p:spTree>
     <p:extLst>
       <p:ext uri="{BB962C8B-B14F-4D97-AF65-F5344CB8AC3E}">
-        <p14:creationId xmlns:p14="http://schemas.microsoft.com/office/powerpoint/2010/main" val="4156216640"/>
+        <p14:creationId xmlns:p14="http://schemas.microsoft.com/office/powerpoint/2010/main" val="1884943716"/>
       </p:ext>
     </p:extLst>
   </p:cSld>
@@ -3323,7 +3323,7 @@
       </p:grpSpPr>
       <p:pic>
         <p:nvPicPr>
-          <p:cNvPr id="912386" name="Picture 2" descr="890"/>
+          <p:cNvPr id="913410" name="Picture 2" descr="891"/>
           <p:cNvPicPr>
             <a:picLocks noChangeAspect="1" noChangeArrowheads="1"/>
           </p:cNvPicPr>
@@ -3375,11 +3375,275 @@
           </a:extLst>
         </p:spPr>
       </p:pic>
+      <p:pic>
+        <p:nvPicPr>
+          <p:cNvPr id="914435" name="Picture 3" descr="891-2"/>
+          <p:cNvPicPr>
+            <a:picLocks noChangeAspect="1" noChangeArrowheads="1"/>
+          </p:cNvPicPr>
+          <p:nvPr/>
+        </p:nvPicPr>
+        <p:blipFill>
+          <a:blip r:embed="rId3">
+            <a:extLst>
+              <a:ext uri="{28A0092B-C50C-407E-A947-70E740481C1C}">
+                <a14:useLocalDpi xmlns:a14="http://schemas.microsoft.com/office/drawing/2010/main" val="0"/>
+              </a:ext>
+            </a:extLst>
+          </a:blip>
+          <a:srcRect/>
+          <a:stretch>
+            <a:fillRect/>
+          </a:stretch>
+        </p:blipFill>
+        <p:spPr bwMode="auto">
+          <a:xfrm>
+            <a:off x="1501776" y="0"/>
+            <a:ext cx="9129713" cy="6858000"/>
+          </a:xfrm>
+          <a:prstGeom prst="rect">
+            <a:avLst/>
+          </a:prstGeom>
+          <a:noFill/>
+          <a:ln>
+            <a:noFill/>
+          </a:ln>
+          <a:effectLst/>
+          <a:extLst>
+            <a:ext uri="{909E8E84-426E-40DD-AFC4-6F175D3DCCD1}">
+              <a14:hiddenFill xmlns:a14="http://schemas.microsoft.com/office/drawing/2010/main">
+                <a:solidFill>
+                  <a:srgbClr val="FFFFFF"/>
+                </a:solidFill>
+              </a14:hiddenFill>
+            </a:ext>
+            <a:ext uri="{91240B29-F687-4F45-9708-019B960494DF}">
+              <a14:hiddenLine xmlns:a14="http://schemas.microsoft.com/office/drawing/2010/main" w="9525">
+                <a:solidFill>
+                  <a:srgbClr val="000000"/>
+                </a:solidFill>
+                <a:miter lim="800000"/>
+                <a:headEnd/>
+                <a:tailEnd/>
+              </a14:hiddenLine>
+            </a:ext>
+            <a:ext uri="{AF507438-7753-43E0-B8FC-AC1667EBCBE1}">
+              <a14:hiddenEffects xmlns:a14="http://schemas.microsoft.com/office/drawing/2010/main">
+                <a:effectLst>
+                  <a:outerShdw dist="35921" dir="2700000" algn="ctr" rotWithShape="0">
+                    <a:srgbClr val="808080"/>
+                  </a:outerShdw>
+                </a:effectLst>
+              </a14:hiddenEffects>
+            </a:ext>
+          </a:extLst>
+        </p:spPr>
+      </p:pic>
+      <p:pic>
+        <p:nvPicPr>
+          <p:cNvPr id="914436" name="Picture 4" descr="891-3"/>
+          <p:cNvPicPr>
+            <a:picLocks noChangeAspect="1" noChangeArrowheads="1"/>
+          </p:cNvPicPr>
+          <p:nvPr/>
+        </p:nvPicPr>
+        <p:blipFill>
+          <a:blip r:embed="rId4">
+            <a:extLst>
+              <a:ext uri="{28A0092B-C50C-407E-A947-70E740481C1C}">
+                <a14:useLocalDpi xmlns:a14="http://schemas.microsoft.com/office/drawing/2010/main" val="0"/>
+              </a:ext>
+            </a:extLst>
+          </a:blip>
+          <a:srcRect/>
+          <a:stretch>
+            <a:fillRect/>
+          </a:stretch>
+        </p:blipFill>
+        <p:spPr bwMode="auto">
+          <a:xfrm>
+            <a:off x="1524000" y="44450"/>
+            <a:ext cx="9124950" cy="6845300"/>
+          </a:xfrm>
+          <a:prstGeom prst="rect">
+            <a:avLst/>
+          </a:prstGeom>
+          <a:noFill/>
+          <a:ln>
+            <a:noFill/>
+          </a:ln>
+          <a:effectLst/>
+          <a:extLst>
+            <a:ext uri="{909E8E84-426E-40DD-AFC4-6F175D3DCCD1}">
+              <a14:hiddenFill xmlns:a14="http://schemas.microsoft.com/office/drawing/2010/main">
+                <a:solidFill>
+                  <a:srgbClr val="FFFFFF"/>
+                </a:solidFill>
+              </a14:hiddenFill>
+            </a:ext>
+            <a:ext uri="{91240B29-F687-4F45-9708-019B960494DF}">
+              <a14:hiddenLine xmlns:a14="http://schemas.microsoft.com/office/drawing/2010/main" w="9525">
+                <a:solidFill>
+                  <a:srgbClr val="000000"/>
+                </a:solidFill>
+                <a:miter lim="800000"/>
+                <a:headEnd/>
+                <a:tailEnd/>
+              </a14:hiddenLine>
+            </a:ext>
+            <a:ext uri="{AF507438-7753-43E0-B8FC-AC1667EBCBE1}">
+              <a14:hiddenEffects xmlns:a14="http://schemas.microsoft.com/office/drawing/2010/main">
+                <a:effectLst>
+                  <a:outerShdw dist="35921" dir="2700000" algn="ctr" rotWithShape="0">
+                    <a:srgbClr val="808080"/>
+                  </a:outerShdw>
+                </a:effectLst>
+              </a14:hiddenEffects>
+            </a:ext>
+          </a:extLst>
+        </p:spPr>
+      </p:pic>
     </p:spTree>
   </p:cSld>
   <p:clrMapOvr>
     <a:masterClrMapping/>
   </p:clrMapOvr>
+  <p:timing>
+    <p:tnLst>
+      <p:par>
+        <p:cTn id="1" dur="indefinite" restart="never" nodeType="tmRoot">
+          <p:childTnLst>
+            <p:seq concurrent="1" nextAc="seek">
+              <p:cTn id="2" dur="indefinite" nodeType="mainSeq">
+                <p:childTnLst>
+                  <p:par>
+                    <p:cTn id="3" fill="hold" nodeType="clickPar">
+                      <p:stCondLst>
+                        <p:cond delay="indefinite"/>
+                      </p:stCondLst>
+                      <p:childTnLst>
+                        <p:par>
+                          <p:cTn id="4" fill="hold" nodeType="withGroup">
+                            <p:stCondLst>
+                              <p:cond delay="0"/>
+                            </p:stCondLst>
+                            <p:childTnLst>
+                              <p:par>
+                                <p:cTn id="5" presetID="10" presetClass="entr" presetSubtype="0" fill="hold" nodeType="clickEffect">
+                                  <p:stCondLst>
+                                    <p:cond delay="0"/>
+                                  </p:stCondLst>
+                                  <p:childTnLst>
+                                    <p:set>
+                                      <p:cBhvr>
+                                        <p:cTn id="6" dur="1" fill="hold">
+                                          <p:stCondLst>
+                                            <p:cond delay="0"/>
+                                          </p:stCondLst>
+                                        </p:cTn>
+                                        <p:tgtEl>
+                                          <p:spTgt spid="914435"/>
+                                        </p:tgtEl>
+                                        <p:attrNameLst>
+                                          <p:attrName>style.visibility</p:attrName>
+                                        </p:attrNameLst>
+                                      </p:cBhvr>
+                                      <p:to>
+                                        <p:strVal val="visible"/>
+                                      </p:to>
+                                    </p:set>
+                                    <p:animEffect transition="in" filter="fade">
+                                      <p:cBhvr>
+                                        <p:cTn id="7" dur="500"/>
+                                        <p:tgtEl>
+                                          <p:spTgt spid="914435"/>
+                                        </p:tgtEl>
+                                      </p:cBhvr>
+                                    </p:animEffect>
+                                  </p:childTnLst>
+                                </p:cTn>
+                              </p:par>
+                            </p:childTnLst>
+                          </p:cTn>
+                        </p:par>
+                      </p:childTnLst>
+                    </p:cTn>
+                  </p:par>
+                  <p:par>
+                    <p:cTn id="8" fill="hold" nodeType="clickPar">
+                      <p:stCondLst>
+                        <p:cond delay="indefinite"/>
+                      </p:stCondLst>
+                      <p:childTnLst>
+                        <p:par>
+                          <p:cTn id="9" fill="hold" nodeType="withGroup">
+                            <p:stCondLst>
+                              <p:cond delay="0"/>
+                            </p:stCondLst>
+                            <p:childTnLst>
+                              <p:par>
+                                <p:cTn id="10" presetID="10" presetClass="entr" presetSubtype="0" fill="hold" nodeType="clickEffect">
+                                  <p:stCondLst>
+                                    <p:cond delay="0"/>
+                                  </p:stCondLst>
+                                  <p:childTnLst>
+                                    <p:set>
+                                      <p:cBhvr>
+                                        <p:cTn id="11" dur="1" fill="hold">
+                                          <p:stCondLst>
+                                            <p:cond delay="0"/>
+                                          </p:stCondLst>
+                                        </p:cTn>
+                                        <p:tgtEl>
+                                          <p:spTgt spid="914436"/>
+                                        </p:tgtEl>
+                                        <p:attrNameLst>
+                                          <p:attrName>style.visibility</p:attrName>
+                                        </p:attrNameLst>
+                                      </p:cBhvr>
+                                      <p:to>
+                                        <p:strVal val="visible"/>
+                                      </p:to>
+                                    </p:set>
+                                    <p:animEffect transition="in" filter="fade">
+                                      <p:cBhvr>
+                                        <p:cTn id="12" dur="500"/>
+                                        <p:tgtEl>
+                                          <p:spTgt spid="914436"/>
+                                        </p:tgtEl>
+                                      </p:cBhvr>
+                                    </p:animEffect>
+                                  </p:childTnLst>
+                                </p:cTn>
+                              </p:par>
+                            </p:childTnLst>
+                          </p:cTn>
+                        </p:par>
+                      </p:childTnLst>
+                    </p:cTn>
+                  </p:par>
+                </p:childTnLst>
+              </p:cTn>
+              <p:prevCondLst>
+                <p:cond evt="onPrev" delay="0">
+                  <p:tgtEl>
+                    <p:sldTgt/>
+                  </p:tgtEl>
+                </p:cond>
+              </p:prevCondLst>
+              <p:nextCondLst>
+                <p:cond evt="onNext" delay="0">
+                  <p:tgtEl>
+                    <p:sldTgt/>
+                  </p:tgtEl>
+                </p:cond>
+              </p:nextCondLst>
+            </p:seq>
+          </p:childTnLst>
+        </p:cTn>
+      </p:par>
+    </p:tnLst>
+  </p:timing>
 </p:sld>
 </file>
 
